--- a/0101-0200/LeetCode 第 148 题：“单链表”自底向上实现“归并排序”题解配图.pptx
+++ b/0101-0200/LeetCode 第 148 题：“单链表”自底向上实现“归并排序”题解配图.pptx
@@ -220,7 +220,7 @@
           <a:p>
             <a:fld id="{E2B2B28B-93EF-F44C-9CE8-96E9899B0A19}" type="datetimeFigureOut">
               <a:rPr kumimoji="1" lang="zh-CN" altLang="en-US" smtClean="0"/>
-              <a:t>2019/6/28</a:t>
+              <a:t>2019/12/21</a:t>
             </a:fld>
             <a:endParaRPr kumimoji="1" lang="zh-CN" altLang="en-US"/>
           </a:p>
@@ -696,7 +696,7 @@
           <a:p>
             <a:fld id="{7C955CD6-C544-6447-88CB-A2D8D4C328B3}" type="datetimeFigureOut">
               <a:rPr kumimoji="1" lang="zh-CN" altLang="en-US" smtClean="0"/>
-              <a:t>2019/6/28</a:t>
+              <a:t>2019/12/21</a:t>
             </a:fld>
             <a:endParaRPr kumimoji="1" lang="zh-CN" altLang="en-US"/>
           </a:p>
@@ -5648,10 +5648,10 @@
       </p:grpSpPr>
       <p:pic>
         <p:nvPicPr>
-          <p:cNvPr id="2" name="图片 1">
+          <p:cNvPr id="5" name="图片 4">
             <a:extLst>
               <a:ext uri="{FF2B5EF4-FFF2-40B4-BE49-F238E27FC236}">
-                <a16:creationId xmlns:a16="http://schemas.microsoft.com/office/drawing/2014/main" id="{CA1BD821-02E4-6849-903E-8D5861654546}"/>
+                <a16:creationId xmlns:a16="http://schemas.microsoft.com/office/drawing/2014/main" id="{AC953C0D-102E-C546-B6F0-2B3B76D3DF12}"/>
               </a:ext>
             </a:extLst>
           </p:cNvPr>
@@ -5668,8 +5668,8 @@
         </p:blipFill>
         <p:spPr>
           <a:xfrm>
-            <a:off x="3575751" y="1093153"/>
-            <a:ext cx="4245610" cy="5536801"/>
+            <a:off x="3575751" y="1097616"/>
+            <a:ext cx="4245610" cy="5522568"/>
           </a:xfrm>
           <a:prstGeom prst="rect">
             <a:avLst/>
